--- a/contents/office2019/powerpoint/01/sample.pptx
+++ b/contents/office2019/powerpoint/01/sample.pptx
@@ -122,10 +122,6 @@
 </p:presentation>
 </file>
 
-<file path=ppt/revisionInfo.xml><?xml version="1.0" encoding="utf-8"?>
-<p1510:revInfo xmlns:a="http://schemas.openxmlformats.org/drawingml/2006/main" xmlns:r="http://schemas.openxmlformats.org/officeDocument/2006/relationships" xmlns:p1510="http://schemas.microsoft.com/office/powerpoint/2015/10/main"/>
-</file>
-
 <file path=ppt/slideLayouts/slideLayout1.xml><?xml version="1.0" encoding="utf-8"?>
 <p:sldLayout xmlns:a="http://schemas.openxmlformats.org/drawingml/2006/main" xmlns:r="http://schemas.openxmlformats.org/officeDocument/2006/relationships" xmlns:p="http://schemas.openxmlformats.org/presentationml/2006/main" type="title" preserve="1">
   <p:cSld name="タイトル スライド">
@@ -314,7 +310,7 @@
           <a:p>
             <a:fld id="{649C89B7-606C-4AD7-B977-44E090C2C228}" type="datetimeFigureOut">
               <a:rPr kumimoji="1" lang="ja-JP" altLang="en-US" smtClean="0"/>
-              <a:t>2018/1/4</a:t>
+              <a:t>2020/3/17</a:t>
             </a:fld>
             <a:endParaRPr kumimoji="1" lang="ja-JP" altLang="en-US"/>
           </a:p>
@@ -652,7 +648,7 @@
           <a:p>
             <a:fld id="{649C89B7-606C-4AD7-B977-44E090C2C228}" type="datetimeFigureOut">
               <a:rPr kumimoji="1" lang="ja-JP" altLang="en-US" smtClean="0"/>
-              <a:t>2018/1/4</a:t>
+              <a:t>2020/3/17</a:t>
             </a:fld>
             <a:endParaRPr kumimoji="1" lang="ja-JP" altLang="en-US"/>
           </a:p>
@@ -1053,7 +1049,7 @@
           <a:p>
             <a:fld id="{649C89B7-606C-4AD7-B977-44E090C2C228}" type="datetimeFigureOut">
               <a:rPr kumimoji="1" lang="ja-JP" altLang="en-US" smtClean="0"/>
-              <a:t>2018/1/4</a:t>
+              <a:t>2020/3/17</a:t>
             </a:fld>
             <a:endParaRPr kumimoji="1" lang="ja-JP" altLang="en-US"/>
           </a:p>
@@ -1389,7 +1385,7 @@
           <a:p>
             <a:fld id="{649C89B7-606C-4AD7-B977-44E090C2C228}" type="datetimeFigureOut">
               <a:rPr kumimoji="1" lang="ja-JP" altLang="en-US" smtClean="0"/>
-              <a:t>2018/1/4</a:t>
+              <a:t>2020/3/17</a:t>
             </a:fld>
             <a:endParaRPr kumimoji="1" lang="ja-JP" altLang="en-US"/>
           </a:p>
@@ -1709,7 +1705,7 @@
           <a:p>
             <a:fld id="{649C89B7-606C-4AD7-B977-44E090C2C228}" type="datetimeFigureOut">
               <a:rPr kumimoji="1" lang="ja-JP" altLang="en-US" smtClean="0"/>
-              <a:t>2018/1/4</a:t>
+              <a:t>2020/3/17</a:t>
             </a:fld>
             <a:endParaRPr kumimoji="1" lang="ja-JP" altLang="en-US"/>
           </a:p>
@@ -2105,7 +2101,7 @@
           <a:p>
             <a:fld id="{649C89B7-606C-4AD7-B977-44E090C2C228}" type="datetimeFigureOut">
               <a:rPr kumimoji="1" lang="ja-JP" altLang="en-US" smtClean="0"/>
-              <a:t>2018/1/4</a:t>
+              <a:t>2020/3/17</a:t>
             </a:fld>
             <a:endParaRPr kumimoji="1" lang="ja-JP" altLang="en-US"/>
           </a:p>
@@ -2394,7 +2390,7 @@
           <a:p>
             <a:fld id="{649C89B7-606C-4AD7-B977-44E090C2C228}" type="datetimeFigureOut">
               <a:rPr kumimoji="1" lang="ja-JP" altLang="en-US" smtClean="0"/>
-              <a:t>2018/1/4</a:t>
+              <a:t>2020/3/17</a:t>
             </a:fld>
             <a:endParaRPr kumimoji="1" lang="ja-JP" altLang="en-US"/>
           </a:p>
@@ -2688,7 +2684,7 @@
           <a:p>
             <a:fld id="{649C89B7-606C-4AD7-B977-44E090C2C228}" type="datetimeFigureOut">
               <a:rPr kumimoji="1" lang="ja-JP" altLang="en-US" smtClean="0"/>
-              <a:t>2018/1/4</a:t>
+              <a:t>2020/3/17</a:t>
             </a:fld>
             <a:endParaRPr kumimoji="1" lang="ja-JP" altLang="en-US"/>
           </a:p>
@@ -2982,7 +2978,7 @@
           <a:p>
             <a:fld id="{649C89B7-606C-4AD7-B977-44E090C2C228}" type="datetimeFigureOut">
               <a:rPr kumimoji="1" lang="ja-JP" altLang="en-US" smtClean="0"/>
-              <a:t>2018/1/4</a:t>
+              <a:t>2020/3/17</a:t>
             </a:fld>
             <a:endParaRPr kumimoji="1" lang="ja-JP" altLang="en-US"/>
           </a:p>
@@ -3311,7 +3307,7 @@
           <a:p>
             <a:fld id="{649C89B7-606C-4AD7-B977-44E090C2C228}" type="datetimeFigureOut">
               <a:rPr kumimoji="1" lang="ja-JP" altLang="en-US" smtClean="0"/>
-              <a:t>2018/1/4</a:t>
+              <a:t>2020/3/17</a:t>
             </a:fld>
             <a:endParaRPr kumimoji="1" lang="ja-JP" altLang="en-US"/>
           </a:p>
@@ -3698,7 +3694,7 @@
           <a:p>
             <a:fld id="{649C89B7-606C-4AD7-B977-44E090C2C228}" type="datetimeFigureOut">
               <a:rPr kumimoji="1" lang="ja-JP" altLang="en-US" smtClean="0"/>
-              <a:t>2018/1/4</a:t>
+              <a:t>2020/3/17</a:t>
             </a:fld>
             <a:endParaRPr kumimoji="1" lang="ja-JP" altLang="en-US"/>
           </a:p>
@@ -4219,7 +4215,7 @@
           <a:p>
             <a:fld id="{649C89B7-606C-4AD7-B977-44E090C2C228}" type="datetimeFigureOut">
               <a:rPr kumimoji="1" lang="ja-JP" altLang="en-US" smtClean="0"/>
-              <a:t>2018/1/4</a:t>
+              <a:t>2020/3/17</a:t>
             </a:fld>
             <a:endParaRPr kumimoji="1" lang="ja-JP" altLang="en-US"/>
           </a:p>
@@ -4424,7 +4420,7 @@
           <a:p>
             <a:fld id="{649C89B7-606C-4AD7-B977-44E090C2C228}" type="datetimeFigureOut">
               <a:rPr kumimoji="1" lang="ja-JP" altLang="en-US" smtClean="0"/>
-              <a:t>2018/1/4</a:t>
+              <a:t>2020/3/17</a:t>
             </a:fld>
             <a:endParaRPr kumimoji="1" lang="ja-JP" altLang="en-US"/>
           </a:p>
@@ -4601,7 +4597,7 @@
           <a:p>
             <a:fld id="{649C89B7-606C-4AD7-B977-44E090C2C228}" type="datetimeFigureOut">
               <a:rPr kumimoji="1" lang="ja-JP" altLang="en-US" smtClean="0"/>
-              <a:t>2018/1/4</a:t>
+              <a:t>2020/3/17</a:t>
             </a:fld>
             <a:endParaRPr kumimoji="1" lang="ja-JP" altLang="en-US"/>
           </a:p>
@@ -4966,7 +4962,7 @@
           <a:p>
             <a:fld id="{649C89B7-606C-4AD7-B977-44E090C2C228}" type="datetimeFigureOut">
               <a:rPr kumimoji="1" lang="ja-JP" altLang="en-US" smtClean="0"/>
-              <a:t>2018/1/4</a:t>
+              <a:t>2020/3/17</a:t>
             </a:fld>
             <a:endParaRPr kumimoji="1" lang="ja-JP" altLang="en-US"/>
           </a:p>
@@ -5311,7 +5307,7 @@
           <a:p>
             <a:fld id="{649C89B7-606C-4AD7-B977-44E090C2C228}" type="datetimeFigureOut">
               <a:rPr kumimoji="1" lang="ja-JP" altLang="en-US" smtClean="0"/>
-              <a:t>2018/1/4</a:t>
+              <a:t>2020/3/17</a:t>
             </a:fld>
             <a:endParaRPr kumimoji="1" lang="ja-JP" altLang="en-US"/>
           </a:p>
@@ -7460,7 +7456,7 @@
           <a:p>
             <a:fld id="{649C89B7-606C-4AD7-B977-44E090C2C228}" type="datetimeFigureOut">
               <a:rPr kumimoji="1" lang="ja-JP" altLang="en-US" smtClean="0"/>
-              <a:t>2018/1/4</a:t>
+              <a:t>2020/3/17</a:t>
             </a:fld>
             <a:endParaRPr kumimoji="1" lang="ja-JP" altLang="en-US"/>
           </a:p>
@@ -8045,28 +8041,32 @@
           <a:p>
             <a:pPr algn="ctr"/>
             <a:r>
+              <a:rPr lang="ja-JP" altLang="en-US" dirty="0">
+                <a:latin typeface="游ゴシック" panose="020B0400000000000000" pitchFamily="50" charset="-128"/>
+                <a:ea typeface="游ゴシック" panose="020B0400000000000000" pitchFamily="50" charset="-128"/>
+              </a:rPr>
+              <a:t>パソコン技術</a:t>
+            </a:r>
+            <a:endParaRPr lang="en-US" altLang="ja-JP" dirty="0">
+              <a:latin typeface="游ゴシック" panose="020B0400000000000000" pitchFamily="50" charset="-128"/>
+              <a:ea typeface="游ゴシック" panose="020B0400000000000000" pitchFamily="50" charset="-128"/>
+            </a:endParaRPr>
+          </a:p>
+          <a:p>
+            <a:pPr algn="ctr"/>
+            <a:r>
+              <a:rPr lang="ja-JP" altLang="en-US" dirty="0">
+                <a:latin typeface="游ゴシック" panose="020B0400000000000000" pitchFamily="50" charset="-128"/>
+                <a:ea typeface="游ゴシック" panose="020B0400000000000000" pitchFamily="50" charset="-128"/>
+              </a:rPr>
+              <a:t>都立</a:t>
+            </a:r>
+            <a:r>
               <a:rPr kumimoji="1" lang="ja-JP" altLang="en-US" dirty="0">
                 <a:latin typeface="游ゴシック" panose="020B0400000000000000" pitchFamily="50" charset="-128"/>
                 <a:ea typeface="游ゴシック" panose="020B0400000000000000" pitchFamily="50" charset="-128"/>
               </a:rPr>
-              <a:t>情報リテラシー実践</a:t>
-            </a:r>
-            <a:r>
-              <a:rPr kumimoji="1" lang="en-US" altLang="ja-JP" dirty="0">
-                <a:latin typeface="游ゴシック" panose="020B0400000000000000" pitchFamily="50" charset="-128"/>
-                <a:ea typeface="游ゴシック" panose="020B0400000000000000" pitchFamily="50" charset="-128"/>
-              </a:rPr>
-              <a:t>Ⅰ</a:t>
-            </a:r>
-          </a:p>
-          <a:p>
-            <a:pPr algn="ctr"/>
-            <a:r>
-              <a:rPr kumimoji="1" lang="ja-JP" altLang="en-US" dirty="0">
-                <a:latin typeface="游ゴシック" panose="020B0400000000000000" pitchFamily="50" charset="-128"/>
-                <a:ea typeface="游ゴシック" panose="020B0400000000000000" pitchFamily="50" charset="-128"/>
-              </a:rPr>
-              <a:t>首都　大</a:t>
+              <a:t>　大</a:t>
             </a:r>
           </a:p>
         </p:txBody>
